--- a/writings/model_persistance.pptx
+++ b/writings/model_persistance.pptx
@@ -7,6 +7,8 @@
   <p:sldIdLst>
     <p:sldId id="256" r:id="rId2"/>
     <p:sldId id="257" r:id="rId3"/>
+    <p:sldId id="258" r:id="rId4"/>
+    <p:sldId id="259" r:id="rId5"/>
   </p:sldIdLst>
   <p:sldSz cx="12192000" cy="6858000"/>
   <p:notesSz cx="6858000" cy="9144000"/>
@@ -105,6 +107,11 @@
       </a:defRPr>
     </a:lvl9pPr>
   </p:defaultTextStyle>
+  <p:extLst>
+    <p:ext uri="{EFAFB233-063F-42B5-8137-9DF3F51BA10A}">
+      <p15:sldGuideLst xmlns:p15="http://schemas.microsoft.com/office/powerpoint/2012/main"/>
+    </p:ext>
+  </p:extLst>
 </p:presentation>
 </file>
 
@@ -3956,6 +3963,930 @@
 </p:sld>
 </file>
 
+<file path=ppt/slides/slide3.xml><?xml version="1.0" encoding="utf-8"?>
+<p:sld xmlns:a="http://schemas.openxmlformats.org/drawingml/2006/main" xmlns:r="http://schemas.openxmlformats.org/officeDocument/2006/relationships" xmlns:p="http://schemas.openxmlformats.org/presentationml/2006/main">
+  <p:cSld>
+    <p:spTree>
+      <p:nvGrpSpPr>
+        <p:cNvPr id="1" name=""/>
+        <p:cNvGrpSpPr/>
+        <p:nvPr/>
+      </p:nvGrpSpPr>
+      <p:grpSpPr>
+        <a:xfrm>
+          <a:off x="0" y="0"/>
+          <a:ext cx="0" cy="0"/>
+          <a:chOff x="0" y="0"/>
+          <a:chExt cx="0" cy="0"/>
+        </a:xfrm>
+      </p:grpSpPr>
+      <p:pic>
+        <p:nvPicPr>
+          <p:cNvPr id="4" name="Picture 3">
+            <a:extLst>
+              <a:ext uri="{FF2B5EF4-FFF2-40B4-BE49-F238E27FC236}">
+                <a16:creationId xmlns:a16="http://schemas.microsoft.com/office/drawing/2014/main" id="{054526C2-DF41-4EC5-A402-4AD1EB5AE594}"/>
+              </a:ext>
+            </a:extLst>
+          </p:cNvPr>
+          <p:cNvPicPr>
+            <a:picLocks noChangeAspect="1"/>
+          </p:cNvPicPr>
+          <p:nvPr/>
+        </p:nvPicPr>
+        <p:blipFill>
+          <a:blip r:embed="rId2"/>
+          <a:stretch>
+            <a:fillRect/>
+          </a:stretch>
+        </p:blipFill>
+        <p:spPr>
+          <a:xfrm>
+            <a:off x="1800225" y="1066800"/>
+            <a:ext cx="8591550" cy="4724400"/>
+          </a:xfrm>
+          <a:prstGeom prst="rect">
+            <a:avLst/>
+          </a:prstGeom>
+        </p:spPr>
+      </p:pic>
+    </p:spTree>
+    <p:extLst>
+      <p:ext uri="{BB962C8B-B14F-4D97-AF65-F5344CB8AC3E}">
+        <p14:creationId xmlns:p14="http://schemas.microsoft.com/office/powerpoint/2010/main" val="2067544682"/>
+      </p:ext>
+    </p:extLst>
+  </p:cSld>
+  <p:clrMapOvr>
+    <a:masterClrMapping/>
+  </p:clrMapOvr>
+</p:sld>
+</file>
+
+<file path=ppt/slides/slide4.xml><?xml version="1.0" encoding="utf-8"?>
+<p:sld xmlns:a="http://schemas.openxmlformats.org/drawingml/2006/main" xmlns:r="http://schemas.openxmlformats.org/officeDocument/2006/relationships" xmlns:p="http://schemas.openxmlformats.org/presentationml/2006/main">
+  <p:cSld>
+    <p:spTree>
+      <p:nvGrpSpPr>
+        <p:cNvPr id="1" name=""/>
+        <p:cNvGrpSpPr/>
+        <p:nvPr/>
+      </p:nvGrpSpPr>
+      <p:grpSpPr>
+        <a:xfrm>
+          <a:off x="0" y="0"/>
+          <a:ext cx="0" cy="0"/>
+          <a:chOff x="0" y="0"/>
+          <a:chExt cx="0" cy="0"/>
+        </a:xfrm>
+      </p:grpSpPr>
+      <p:pic>
+        <p:nvPicPr>
+          <p:cNvPr id="7" name="Picture 6">
+            <a:extLst>
+              <a:ext uri="{FF2B5EF4-FFF2-40B4-BE49-F238E27FC236}">
+                <a16:creationId xmlns:a16="http://schemas.microsoft.com/office/drawing/2014/main" id="{6C20DC40-C936-4854-99CA-DF7C7F2518DC}"/>
+              </a:ext>
+            </a:extLst>
+          </p:cNvPr>
+          <p:cNvPicPr>
+            <a:picLocks noChangeAspect="1"/>
+          </p:cNvPicPr>
+          <p:nvPr/>
+        </p:nvPicPr>
+        <p:blipFill>
+          <a:blip r:embed="rId2">
+            <a:extLst>
+              <a:ext uri="{28A0092B-C50C-407E-A947-70E740481C1C}">
+                <a14:useLocalDpi xmlns:a14="http://schemas.microsoft.com/office/drawing/2010/main" val="0"/>
+              </a:ext>
+            </a:extLst>
+          </a:blip>
+          <a:stretch>
+            <a:fillRect/>
+          </a:stretch>
+        </p:blipFill>
+        <p:spPr>
+          <a:xfrm>
+            <a:off x="821724" y="2252360"/>
+            <a:ext cx="743160" cy="743160"/>
+          </a:xfrm>
+          <a:prstGeom prst="rect">
+            <a:avLst/>
+          </a:prstGeom>
+        </p:spPr>
+      </p:pic>
+      <p:sp>
+        <p:nvSpPr>
+          <p:cNvPr id="8" name="TextBox 7">
+            <a:extLst>
+              <a:ext uri="{FF2B5EF4-FFF2-40B4-BE49-F238E27FC236}">
+                <a16:creationId xmlns:a16="http://schemas.microsoft.com/office/drawing/2014/main" id="{75561883-2F92-4991-96CA-697470DBE615}"/>
+              </a:ext>
+            </a:extLst>
+          </p:cNvPr>
+          <p:cNvSpPr txBox="1"/>
+          <p:nvPr/>
+        </p:nvSpPr>
+        <p:spPr>
+          <a:xfrm>
+            <a:off x="883027" y="3059668"/>
+            <a:ext cx="620554" cy="369332"/>
+          </a:xfrm>
+          <a:prstGeom prst="rect">
+            <a:avLst/>
+          </a:prstGeom>
+          <a:noFill/>
+        </p:spPr>
+        <p:txBody>
+          <a:bodyPr wrap="none" rtlCol="0">
+            <a:spAutoFit/>
+          </a:bodyPr>
+          <a:lstStyle/>
+          <a:p>
+            <a:r>
+              <a:rPr lang="en-US" dirty="0"/>
+              <a:t>Data</a:t>
+            </a:r>
+          </a:p>
+        </p:txBody>
+      </p:sp>
+      <p:pic>
+        <p:nvPicPr>
+          <p:cNvPr id="12" name="Picture 11">
+            <a:extLst>
+              <a:ext uri="{FF2B5EF4-FFF2-40B4-BE49-F238E27FC236}">
+                <a16:creationId xmlns:a16="http://schemas.microsoft.com/office/drawing/2014/main" id="{4582C6AF-B08F-4DD8-8CAA-44F662463983}"/>
+              </a:ext>
+            </a:extLst>
+          </p:cNvPr>
+          <p:cNvPicPr>
+            <a:picLocks noChangeAspect="1"/>
+          </p:cNvPicPr>
+          <p:nvPr/>
+        </p:nvPicPr>
+        <p:blipFill>
+          <a:blip r:embed="rId3">
+            <a:extLst>
+              <a:ext uri="{28A0092B-C50C-407E-A947-70E740481C1C}">
+                <a14:useLocalDpi xmlns:a14="http://schemas.microsoft.com/office/drawing/2010/main" val="0"/>
+              </a:ext>
+            </a:extLst>
+          </a:blip>
+          <a:stretch>
+            <a:fillRect/>
+          </a:stretch>
+        </p:blipFill>
+        <p:spPr>
+          <a:xfrm>
+            <a:off x="2150076" y="2248430"/>
+            <a:ext cx="743160" cy="743160"/>
+          </a:xfrm>
+          <a:prstGeom prst="rect">
+            <a:avLst/>
+          </a:prstGeom>
+        </p:spPr>
+      </p:pic>
+      <p:cxnSp>
+        <p:nvCxnSpPr>
+          <p:cNvPr id="13" name="Straight Arrow Connector 12">
+            <a:extLst>
+              <a:ext uri="{FF2B5EF4-FFF2-40B4-BE49-F238E27FC236}">
+                <a16:creationId xmlns:a16="http://schemas.microsoft.com/office/drawing/2014/main" id="{AF546470-43DD-4213-9A51-E940BFF119EE}"/>
+              </a:ext>
+            </a:extLst>
+          </p:cNvPr>
+          <p:cNvCxnSpPr>
+            <a:cxnSpLocks/>
+            <a:endCxn id="12" idx="1"/>
+          </p:cNvCxnSpPr>
+          <p:nvPr/>
+        </p:nvCxnSpPr>
+        <p:spPr>
+          <a:xfrm>
+            <a:off x="1564884" y="2620010"/>
+            <a:ext cx="585192" cy="0"/>
+          </a:xfrm>
+          <a:prstGeom prst="straightConnector1">
+            <a:avLst/>
+          </a:prstGeom>
+          <a:ln w="22225">
+            <a:tailEnd type="triangle"/>
+          </a:ln>
+        </p:spPr>
+        <p:style>
+          <a:lnRef idx="3">
+            <a:schemeClr val="accent3"/>
+          </a:lnRef>
+          <a:fillRef idx="0">
+            <a:schemeClr val="accent3"/>
+          </a:fillRef>
+          <a:effectRef idx="2">
+            <a:schemeClr val="accent3"/>
+          </a:effectRef>
+          <a:fontRef idx="minor">
+            <a:schemeClr val="tx1"/>
+          </a:fontRef>
+        </p:style>
+      </p:cxnSp>
+      <p:pic>
+        <p:nvPicPr>
+          <p:cNvPr id="15" name="Picture 14">
+            <a:extLst>
+              <a:ext uri="{FF2B5EF4-FFF2-40B4-BE49-F238E27FC236}">
+                <a16:creationId xmlns:a16="http://schemas.microsoft.com/office/drawing/2014/main" id="{3FC5D4FF-408F-4879-B001-BF95330BF55E}"/>
+              </a:ext>
+            </a:extLst>
+          </p:cNvPr>
+          <p:cNvPicPr>
+            <a:picLocks noChangeAspect="1"/>
+          </p:cNvPicPr>
+          <p:nvPr/>
+        </p:nvPicPr>
+        <p:blipFill>
+          <a:blip r:embed="rId2">
+            <a:extLst>
+              <a:ext uri="{28A0092B-C50C-407E-A947-70E740481C1C}">
+                <a14:useLocalDpi xmlns:a14="http://schemas.microsoft.com/office/drawing/2010/main" val="0"/>
+              </a:ext>
+            </a:extLst>
+          </a:blip>
+          <a:stretch>
+            <a:fillRect/>
+          </a:stretch>
+        </p:blipFill>
+        <p:spPr>
+          <a:xfrm>
+            <a:off x="3920840" y="1165388"/>
+            <a:ext cx="743160" cy="743160"/>
+          </a:xfrm>
+          <a:prstGeom prst="rect">
+            <a:avLst/>
+          </a:prstGeom>
+        </p:spPr>
+      </p:pic>
+      <p:pic>
+        <p:nvPicPr>
+          <p:cNvPr id="16" name="Picture 15">
+            <a:extLst>
+              <a:ext uri="{FF2B5EF4-FFF2-40B4-BE49-F238E27FC236}">
+                <a16:creationId xmlns:a16="http://schemas.microsoft.com/office/drawing/2014/main" id="{3AF505B2-3B7B-4407-865B-FA54BBFBAE85}"/>
+              </a:ext>
+            </a:extLst>
+          </p:cNvPr>
+          <p:cNvPicPr>
+            <a:picLocks noChangeAspect="1"/>
+          </p:cNvPicPr>
+          <p:nvPr/>
+        </p:nvPicPr>
+        <p:blipFill>
+          <a:blip r:embed="rId2">
+            <a:extLst>
+              <a:ext uri="{28A0092B-C50C-407E-A947-70E740481C1C}">
+                <a14:useLocalDpi xmlns:a14="http://schemas.microsoft.com/office/drawing/2010/main" val="0"/>
+              </a:ext>
+            </a:extLst>
+          </a:blip>
+          <a:stretch>
+            <a:fillRect/>
+          </a:stretch>
+        </p:blipFill>
+        <p:spPr>
+          <a:xfrm>
+            <a:off x="3920840" y="3277299"/>
+            <a:ext cx="743160" cy="743160"/>
+          </a:xfrm>
+          <a:prstGeom prst="rect">
+            <a:avLst/>
+          </a:prstGeom>
+        </p:spPr>
+      </p:pic>
+      <p:pic>
+        <p:nvPicPr>
+          <p:cNvPr id="17" name="Picture 16">
+            <a:extLst>
+              <a:ext uri="{FF2B5EF4-FFF2-40B4-BE49-F238E27FC236}">
+                <a16:creationId xmlns:a16="http://schemas.microsoft.com/office/drawing/2014/main" id="{EB629239-E1E0-4C1E-8142-9693BF065AE9}"/>
+              </a:ext>
+            </a:extLst>
+          </p:cNvPr>
+          <p:cNvPicPr>
+            <a:picLocks noChangeAspect="1"/>
+          </p:cNvPicPr>
+          <p:nvPr/>
+        </p:nvPicPr>
+        <p:blipFill>
+          <a:blip r:embed="rId4">
+            <a:extLst>
+              <a:ext uri="{28A0092B-C50C-407E-A947-70E740481C1C}">
+                <a14:useLocalDpi xmlns:a14="http://schemas.microsoft.com/office/drawing/2010/main" val="0"/>
+              </a:ext>
+            </a:extLst>
+          </a:blip>
+          <a:stretch>
+            <a:fillRect/>
+          </a:stretch>
+        </p:blipFill>
+        <p:spPr>
+          <a:xfrm>
+            <a:off x="5791608" y="1863010"/>
+            <a:ext cx="881042" cy="881042"/>
+          </a:xfrm>
+          <a:prstGeom prst="rect">
+            <a:avLst/>
+          </a:prstGeom>
+        </p:spPr>
+      </p:pic>
+      <p:cxnSp>
+        <p:nvCxnSpPr>
+          <p:cNvPr id="18" name="Straight Arrow Connector 17">
+            <a:extLst>
+              <a:ext uri="{FF2B5EF4-FFF2-40B4-BE49-F238E27FC236}">
+                <a16:creationId xmlns:a16="http://schemas.microsoft.com/office/drawing/2014/main" id="{820DBCB8-A3EC-4492-8CB2-6703BE19F1C7}"/>
+              </a:ext>
+            </a:extLst>
+          </p:cNvPr>
+          <p:cNvCxnSpPr>
+            <a:cxnSpLocks/>
+            <a:stCxn id="12" idx="3"/>
+            <a:endCxn id="15" idx="1"/>
+          </p:cNvCxnSpPr>
+          <p:nvPr/>
+        </p:nvCxnSpPr>
+        <p:spPr>
+          <a:xfrm flipV="1">
+            <a:off x="2893236" y="1536968"/>
+            <a:ext cx="1027604" cy="1083042"/>
+          </a:xfrm>
+          <a:prstGeom prst="bentConnector3">
+            <a:avLst>
+              <a:gd name="adj1" fmla="val 50000"/>
+            </a:avLst>
+          </a:prstGeom>
+          <a:ln w="22225">
+            <a:tailEnd type="triangle"/>
+          </a:ln>
+        </p:spPr>
+        <p:style>
+          <a:lnRef idx="3">
+            <a:schemeClr val="accent3"/>
+          </a:lnRef>
+          <a:fillRef idx="0">
+            <a:schemeClr val="accent3"/>
+          </a:fillRef>
+          <a:effectRef idx="2">
+            <a:schemeClr val="accent3"/>
+          </a:effectRef>
+          <a:fontRef idx="minor">
+            <a:schemeClr val="tx1"/>
+          </a:fontRef>
+        </p:style>
+      </p:cxnSp>
+      <p:cxnSp>
+        <p:nvCxnSpPr>
+          <p:cNvPr id="20" name="Straight Arrow Connector 19">
+            <a:extLst>
+              <a:ext uri="{FF2B5EF4-FFF2-40B4-BE49-F238E27FC236}">
+                <a16:creationId xmlns:a16="http://schemas.microsoft.com/office/drawing/2014/main" id="{F1FC6EB4-6067-4A1D-8381-047DF468D518}"/>
+              </a:ext>
+            </a:extLst>
+          </p:cNvPr>
+          <p:cNvCxnSpPr>
+            <a:cxnSpLocks/>
+            <a:stCxn id="12" idx="3"/>
+            <a:endCxn id="16" idx="1"/>
+          </p:cNvCxnSpPr>
+          <p:nvPr/>
+        </p:nvCxnSpPr>
+        <p:spPr>
+          <a:xfrm>
+            <a:off x="2893236" y="2620010"/>
+            <a:ext cx="1027604" cy="1028869"/>
+          </a:xfrm>
+          <a:prstGeom prst="bentConnector3">
+            <a:avLst>
+              <a:gd name="adj1" fmla="val 50000"/>
+            </a:avLst>
+          </a:prstGeom>
+          <a:ln w="22225">
+            <a:tailEnd type="triangle"/>
+          </a:ln>
+        </p:spPr>
+        <p:style>
+          <a:lnRef idx="3">
+            <a:schemeClr val="accent3"/>
+          </a:lnRef>
+          <a:fillRef idx="0">
+            <a:schemeClr val="accent3"/>
+          </a:fillRef>
+          <a:effectRef idx="2">
+            <a:schemeClr val="accent3"/>
+          </a:effectRef>
+          <a:fontRef idx="minor">
+            <a:schemeClr val="tx1"/>
+          </a:fontRef>
+        </p:style>
+      </p:cxnSp>
+      <p:sp>
+        <p:nvSpPr>
+          <p:cNvPr id="26" name="TextBox 25">
+            <a:extLst>
+              <a:ext uri="{FF2B5EF4-FFF2-40B4-BE49-F238E27FC236}">
+                <a16:creationId xmlns:a16="http://schemas.microsoft.com/office/drawing/2014/main" id="{054B190D-2E06-4607-A596-1A586DED8E1A}"/>
+              </a:ext>
+            </a:extLst>
+          </p:cNvPr>
+          <p:cNvSpPr txBox="1"/>
+          <p:nvPr/>
+        </p:nvSpPr>
+        <p:spPr>
+          <a:xfrm>
+            <a:off x="3596973" y="1934199"/>
+            <a:ext cx="1415837" cy="369332"/>
+          </a:xfrm>
+          <a:prstGeom prst="rect">
+            <a:avLst/>
+          </a:prstGeom>
+          <a:noFill/>
+        </p:spPr>
+        <p:txBody>
+          <a:bodyPr wrap="none" rtlCol="0">
+            <a:spAutoFit/>
+          </a:bodyPr>
+          <a:lstStyle/>
+          <a:p>
+            <a:r>
+              <a:rPr lang="en-US" dirty="0"/>
+              <a:t>Training Data</a:t>
+            </a:r>
+          </a:p>
+        </p:txBody>
+      </p:sp>
+      <p:sp>
+        <p:nvSpPr>
+          <p:cNvPr id="31" name="TextBox 30">
+            <a:extLst>
+              <a:ext uri="{FF2B5EF4-FFF2-40B4-BE49-F238E27FC236}">
+                <a16:creationId xmlns:a16="http://schemas.microsoft.com/office/drawing/2014/main" id="{ADC03F40-0262-47CC-999D-027A2F490743}"/>
+              </a:ext>
+            </a:extLst>
+          </p:cNvPr>
+          <p:cNvSpPr txBox="1"/>
+          <p:nvPr/>
+        </p:nvSpPr>
+        <p:spPr>
+          <a:xfrm>
+            <a:off x="3682317" y="4020459"/>
+            <a:ext cx="1381340" cy="369332"/>
+          </a:xfrm>
+          <a:prstGeom prst="rect">
+            <a:avLst/>
+          </a:prstGeom>
+          <a:noFill/>
+        </p:spPr>
+        <p:txBody>
+          <a:bodyPr wrap="none" rtlCol="0">
+            <a:spAutoFit/>
+          </a:bodyPr>
+          <a:lstStyle/>
+          <a:p>
+            <a:r>
+              <a:rPr lang="en-US" dirty="0"/>
+              <a:t>Testing Data</a:t>
+            </a:r>
+          </a:p>
+        </p:txBody>
+      </p:sp>
+      <p:sp>
+        <p:nvSpPr>
+          <p:cNvPr id="32" name="TextBox 31">
+            <a:extLst>
+              <a:ext uri="{FF2B5EF4-FFF2-40B4-BE49-F238E27FC236}">
+                <a16:creationId xmlns:a16="http://schemas.microsoft.com/office/drawing/2014/main" id="{57EA4911-9AFF-44E4-BAEB-FC0232C2F312}"/>
+              </a:ext>
+            </a:extLst>
+          </p:cNvPr>
+          <p:cNvSpPr txBox="1"/>
+          <p:nvPr/>
+        </p:nvSpPr>
+        <p:spPr>
+          <a:xfrm>
+            <a:off x="1668845" y="3071336"/>
+            <a:ext cx="1666803" cy="1077218"/>
+          </a:xfrm>
+          <a:prstGeom prst="rect">
+            <a:avLst/>
+          </a:prstGeom>
+          <a:noFill/>
+        </p:spPr>
+        <p:txBody>
+          <a:bodyPr wrap="none" rtlCol="0">
+            <a:spAutoFit/>
+          </a:bodyPr>
+          <a:lstStyle/>
+          <a:p>
+            <a:r>
+              <a:rPr lang="en-US" dirty="0"/>
+              <a:t>Data Processing</a:t>
+            </a:r>
+          </a:p>
+          <a:p>
+            <a:r>
+              <a:rPr lang="en-US" sz="1400" i="1" dirty="0">
+                <a:solidFill>
+                  <a:schemeClr val="bg1">
+                    <a:lumMod val="50000"/>
+                  </a:schemeClr>
+                </a:solidFill>
+              </a:rPr>
+              <a:t>Outlier Detection</a:t>
+            </a:r>
+          </a:p>
+          <a:p>
+            <a:r>
+              <a:rPr lang="en-US" sz="1400" i="1" dirty="0">
+                <a:solidFill>
+                  <a:schemeClr val="bg1">
+                    <a:lumMod val="50000"/>
+                  </a:schemeClr>
+                </a:solidFill>
+              </a:rPr>
+              <a:t>Feature Engineering</a:t>
+            </a:r>
+          </a:p>
+          <a:p>
+            <a:endParaRPr lang="en-US" dirty="0"/>
+          </a:p>
+        </p:txBody>
+      </p:sp>
+      <p:cxnSp>
+        <p:nvCxnSpPr>
+          <p:cNvPr id="33" name="Straight Arrow Connector 17">
+            <a:extLst>
+              <a:ext uri="{FF2B5EF4-FFF2-40B4-BE49-F238E27FC236}">
+                <a16:creationId xmlns:a16="http://schemas.microsoft.com/office/drawing/2014/main" id="{0C44C062-6D9F-4346-8AC2-10894BD8649A}"/>
+              </a:ext>
+            </a:extLst>
+          </p:cNvPr>
+          <p:cNvCxnSpPr>
+            <a:cxnSpLocks/>
+            <a:stCxn id="15" idx="3"/>
+            <a:endCxn id="17" idx="1"/>
+          </p:cNvCxnSpPr>
+          <p:nvPr/>
+        </p:nvCxnSpPr>
+        <p:spPr>
+          <a:xfrm>
+            <a:off x="4664000" y="1536968"/>
+            <a:ext cx="1127608" cy="766563"/>
+          </a:xfrm>
+          <a:prstGeom prst="bentConnector3">
+            <a:avLst>
+              <a:gd name="adj1" fmla="val 50000"/>
+            </a:avLst>
+          </a:prstGeom>
+          <a:ln w="22225">
+            <a:tailEnd type="triangle"/>
+          </a:ln>
+        </p:spPr>
+        <p:style>
+          <a:lnRef idx="3">
+            <a:schemeClr val="accent3"/>
+          </a:lnRef>
+          <a:fillRef idx="0">
+            <a:schemeClr val="accent3"/>
+          </a:fillRef>
+          <a:effectRef idx="2">
+            <a:schemeClr val="accent3"/>
+          </a:effectRef>
+          <a:fontRef idx="minor">
+            <a:schemeClr val="tx1"/>
+          </a:fontRef>
+        </p:style>
+      </p:cxnSp>
+      <p:sp>
+        <p:nvSpPr>
+          <p:cNvPr id="38" name="TextBox 37">
+            <a:extLst>
+              <a:ext uri="{FF2B5EF4-FFF2-40B4-BE49-F238E27FC236}">
+                <a16:creationId xmlns:a16="http://schemas.microsoft.com/office/drawing/2014/main" id="{889FECAE-54FF-419B-8252-1711B805B583}"/>
+              </a:ext>
+            </a:extLst>
+          </p:cNvPr>
+          <p:cNvSpPr txBox="1"/>
+          <p:nvPr/>
+        </p:nvSpPr>
+        <p:spPr>
+          <a:xfrm>
+            <a:off x="5460828" y="2792663"/>
+            <a:ext cx="1542602" cy="369332"/>
+          </a:xfrm>
+          <a:prstGeom prst="rect">
+            <a:avLst/>
+          </a:prstGeom>
+          <a:noFill/>
+        </p:spPr>
+        <p:txBody>
+          <a:bodyPr wrap="none" rtlCol="0">
+            <a:spAutoFit/>
+          </a:bodyPr>
+          <a:lstStyle/>
+          <a:p>
+            <a:r>
+              <a:rPr lang="en-US" dirty="0"/>
+              <a:t>Trained Model</a:t>
+            </a:r>
+          </a:p>
+        </p:txBody>
+      </p:sp>
+      <p:cxnSp>
+        <p:nvCxnSpPr>
+          <p:cNvPr id="39" name="Straight Arrow Connector 19">
+            <a:extLst>
+              <a:ext uri="{FF2B5EF4-FFF2-40B4-BE49-F238E27FC236}">
+                <a16:creationId xmlns:a16="http://schemas.microsoft.com/office/drawing/2014/main" id="{A4D3F640-D5D0-4C98-91D7-9D11BBDBDE08}"/>
+              </a:ext>
+            </a:extLst>
+          </p:cNvPr>
+          <p:cNvCxnSpPr>
+            <a:cxnSpLocks/>
+            <a:stCxn id="16" idx="3"/>
+            <a:endCxn id="53" idx="2"/>
+          </p:cNvCxnSpPr>
+          <p:nvPr/>
+        </p:nvCxnSpPr>
+        <p:spPr>
+          <a:xfrm flipV="1">
+            <a:off x="4664000" y="3160871"/>
+            <a:ext cx="3879418" cy="488008"/>
+          </a:xfrm>
+          <a:prstGeom prst="bentConnector2">
+            <a:avLst/>
+          </a:prstGeom>
+          <a:ln w="22225">
+            <a:tailEnd type="triangle"/>
+          </a:ln>
+        </p:spPr>
+        <p:style>
+          <a:lnRef idx="3">
+            <a:schemeClr val="accent3"/>
+          </a:lnRef>
+          <a:fillRef idx="0">
+            <a:schemeClr val="accent3"/>
+          </a:fillRef>
+          <a:effectRef idx="2">
+            <a:schemeClr val="accent3"/>
+          </a:effectRef>
+          <a:fontRef idx="minor">
+            <a:schemeClr val="tx1"/>
+          </a:fontRef>
+        </p:style>
+      </p:cxnSp>
+      <p:pic>
+        <p:nvPicPr>
+          <p:cNvPr id="52" name="Picture 51">
+            <a:extLst>
+              <a:ext uri="{FF2B5EF4-FFF2-40B4-BE49-F238E27FC236}">
+                <a16:creationId xmlns:a16="http://schemas.microsoft.com/office/drawing/2014/main" id="{454CC773-2D0E-45CC-9BBA-E0B0CC71689C}"/>
+              </a:ext>
+            </a:extLst>
+          </p:cNvPr>
+          <p:cNvPicPr>
+            <a:picLocks noChangeAspect="1"/>
+          </p:cNvPicPr>
+          <p:nvPr/>
+        </p:nvPicPr>
+        <p:blipFill>
+          <a:blip r:embed="rId5">
+            <a:extLst>
+              <a:ext uri="{28A0092B-C50C-407E-A947-70E740481C1C}">
+                <a14:useLocalDpi xmlns:a14="http://schemas.microsoft.com/office/drawing/2010/main" val="0"/>
+              </a:ext>
+            </a:extLst>
+          </a:blip>
+          <a:stretch>
+            <a:fillRect/>
+          </a:stretch>
+        </p:blipFill>
+        <p:spPr>
+          <a:xfrm>
+            <a:off x="7990704" y="1832697"/>
+            <a:ext cx="949008" cy="949008"/>
+          </a:xfrm>
+          <a:prstGeom prst="rect">
+            <a:avLst/>
+          </a:prstGeom>
+        </p:spPr>
+      </p:pic>
+      <p:sp>
+        <p:nvSpPr>
+          <p:cNvPr id="53" name="TextBox 52">
+            <a:extLst>
+              <a:ext uri="{FF2B5EF4-FFF2-40B4-BE49-F238E27FC236}">
+                <a16:creationId xmlns:a16="http://schemas.microsoft.com/office/drawing/2014/main" id="{7763E8BF-A36B-437B-AA3B-4AFDAC083723}"/>
+              </a:ext>
+            </a:extLst>
+          </p:cNvPr>
+          <p:cNvSpPr txBox="1"/>
+          <p:nvPr/>
+        </p:nvSpPr>
+        <p:spPr>
+          <a:xfrm>
+            <a:off x="7516470" y="2791539"/>
+            <a:ext cx="2053896" cy="369332"/>
+          </a:xfrm>
+          <a:prstGeom prst="rect">
+            <a:avLst/>
+          </a:prstGeom>
+          <a:noFill/>
+        </p:spPr>
+        <p:txBody>
+          <a:bodyPr wrap="none" rtlCol="0">
+            <a:spAutoFit/>
+          </a:bodyPr>
+          <a:lstStyle/>
+          <a:p>
+            <a:r>
+              <a:rPr lang="en-US" dirty="0"/>
+              <a:t>Model Performance</a:t>
+            </a:r>
+          </a:p>
+        </p:txBody>
+      </p:sp>
+      <p:cxnSp>
+        <p:nvCxnSpPr>
+          <p:cNvPr id="55" name="Straight Arrow Connector 17">
+            <a:extLst>
+              <a:ext uri="{FF2B5EF4-FFF2-40B4-BE49-F238E27FC236}">
+                <a16:creationId xmlns:a16="http://schemas.microsoft.com/office/drawing/2014/main" id="{2E116ED2-5E74-4A35-98DA-A5B250509689}"/>
+              </a:ext>
+            </a:extLst>
+          </p:cNvPr>
+          <p:cNvCxnSpPr>
+            <a:cxnSpLocks/>
+            <a:stCxn id="17" idx="3"/>
+            <a:endCxn id="52" idx="1"/>
+          </p:cNvCxnSpPr>
+          <p:nvPr/>
+        </p:nvCxnSpPr>
+        <p:spPr>
+          <a:xfrm>
+            <a:off x="6672650" y="2303531"/>
+            <a:ext cx="1318054" cy="3670"/>
+          </a:xfrm>
+          <a:prstGeom prst="bentConnector3">
+            <a:avLst>
+              <a:gd name="adj1" fmla="val 50000"/>
+            </a:avLst>
+          </a:prstGeom>
+          <a:ln w="22225">
+            <a:tailEnd type="triangle"/>
+          </a:ln>
+        </p:spPr>
+        <p:style>
+          <a:lnRef idx="3">
+            <a:schemeClr val="accent3"/>
+          </a:lnRef>
+          <a:fillRef idx="0">
+            <a:schemeClr val="accent3"/>
+          </a:fillRef>
+          <a:effectRef idx="2">
+            <a:schemeClr val="accent3"/>
+          </a:effectRef>
+          <a:fontRef idx="minor">
+            <a:schemeClr val="tx1"/>
+          </a:fontRef>
+        </p:style>
+      </p:cxnSp>
+      <p:pic>
+        <p:nvPicPr>
+          <p:cNvPr id="58" name="Picture 57">
+            <a:extLst>
+              <a:ext uri="{FF2B5EF4-FFF2-40B4-BE49-F238E27FC236}">
+                <a16:creationId xmlns:a16="http://schemas.microsoft.com/office/drawing/2014/main" id="{5A3540CC-EEB2-4B99-94F4-B9C35891AEF1}"/>
+              </a:ext>
+            </a:extLst>
+          </p:cNvPr>
+          <p:cNvPicPr>
+            <a:picLocks noChangeAspect="1"/>
+          </p:cNvPicPr>
+          <p:nvPr/>
+        </p:nvPicPr>
+        <p:blipFill>
+          <a:blip r:embed="rId6">
+            <a:extLst>
+              <a:ext uri="{28A0092B-C50C-407E-A947-70E740481C1C}">
+                <a14:useLocalDpi xmlns:a14="http://schemas.microsoft.com/office/drawing/2010/main" val="0"/>
+              </a:ext>
+            </a:extLst>
+          </a:blip>
+          <a:stretch>
+            <a:fillRect/>
+          </a:stretch>
+        </p:blipFill>
+        <p:spPr>
+          <a:xfrm>
+            <a:off x="10257766" y="1929977"/>
+            <a:ext cx="759321" cy="759321"/>
+          </a:xfrm>
+          <a:prstGeom prst="rect">
+            <a:avLst/>
+          </a:prstGeom>
+        </p:spPr>
+      </p:pic>
+      <p:sp>
+        <p:nvSpPr>
+          <p:cNvPr id="59" name="TextBox 58">
+            <a:extLst>
+              <a:ext uri="{FF2B5EF4-FFF2-40B4-BE49-F238E27FC236}">
+                <a16:creationId xmlns:a16="http://schemas.microsoft.com/office/drawing/2014/main" id="{75B6849D-D227-4FAF-8800-679055202CA6}"/>
+              </a:ext>
+            </a:extLst>
+          </p:cNvPr>
+          <p:cNvSpPr txBox="1"/>
+          <p:nvPr/>
+        </p:nvSpPr>
+        <p:spPr>
+          <a:xfrm>
+            <a:off x="9793596" y="2791539"/>
+            <a:ext cx="1901931" cy="369332"/>
+          </a:xfrm>
+          <a:prstGeom prst="rect">
+            <a:avLst/>
+          </a:prstGeom>
+          <a:noFill/>
+        </p:spPr>
+        <p:txBody>
+          <a:bodyPr wrap="none" rtlCol="0">
+            <a:spAutoFit/>
+          </a:bodyPr>
+          <a:lstStyle/>
+          <a:p>
+            <a:r>
+              <a:rPr lang="en-US" dirty="0"/>
+              <a:t>Model Persistence</a:t>
+            </a:r>
+          </a:p>
+        </p:txBody>
+      </p:sp>
+      <p:cxnSp>
+        <p:nvCxnSpPr>
+          <p:cNvPr id="60" name="Straight Arrow Connector 17">
+            <a:extLst>
+              <a:ext uri="{FF2B5EF4-FFF2-40B4-BE49-F238E27FC236}">
+                <a16:creationId xmlns:a16="http://schemas.microsoft.com/office/drawing/2014/main" id="{91D25151-ECD0-4C64-A5EF-EF24849EA55C}"/>
+              </a:ext>
+            </a:extLst>
+          </p:cNvPr>
+          <p:cNvCxnSpPr>
+            <a:cxnSpLocks/>
+            <a:stCxn id="52" idx="3"/>
+            <a:endCxn id="58" idx="1"/>
+          </p:cNvCxnSpPr>
+          <p:nvPr/>
+        </p:nvCxnSpPr>
+        <p:spPr>
+          <a:xfrm>
+            <a:off x="8939712" y="2307201"/>
+            <a:ext cx="1318054" cy="2437"/>
+          </a:xfrm>
+          <a:prstGeom prst="bentConnector3">
+            <a:avLst>
+              <a:gd name="adj1" fmla="val 50000"/>
+            </a:avLst>
+          </a:prstGeom>
+          <a:ln w="22225">
+            <a:tailEnd type="triangle"/>
+          </a:ln>
+        </p:spPr>
+        <p:style>
+          <a:lnRef idx="3">
+            <a:schemeClr val="accent3"/>
+          </a:lnRef>
+          <a:fillRef idx="0">
+            <a:schemeClr val="accent3"/>
+          </a:fillRef>
+          <a:effectRef idx="2">
+            <a:schemeClr val="accent3"/>
+          </a:effectRef>
+          <a:fontRef idx="minor">
+            <a:schemeClr val="tx1"/>
+          </a:fontRef>
+        </p:style>
+      </p:cxnSp>
+    </p:spTree>
+    <p:extLst>
+      <p:ext uri="{BB962C8B-B14F-4D97-AF65-F5344CB8AC3E}">
+        <p14:creationId xmlns:p14="http://schemas.microsoft.com/office/powerpoint/2010/main" val="4190078148"/>
+      </p:ext>
+    </p:extLst>
+  </p:cSld>
+  <p:clrMapOvr>
+    <a:masterClrMapping/>
+  </p:clrMapOvr>
+</p:sld>
+</file>
+
 <file path=ppt/theme/theme1.xml><?xml version="1.0" encoding="utf-8"?>
 <a:theme xmlns:a="http://schemas.openxmlformats.org/drawingml/2006/main" name="Office Theme">
   <a:themeElements>

--- a/writings/model_persistance.pptx
+++ b/writings/model_persistance.pptx
@@ -4436,7 +4436,7 @@
         </p:nvSpPr>
         <p:spPr>
           <a:xfrm>
-            <a:off x="3682317" y="4020459"/>
+            <a:off x="3690555" y="4020459"/>
             <a:ext cx="1381340" cy="369332"/>
           </a:xfrm>
           <a:prstGeom prst="rect">
@@ -4617,8 +4617,8 @@
         </p:nvCxnSpPr>
         <p:spPr>
           <a:xfrm flipV="1">
-            <a:off x="4664000" y="3160871"/>
-            <a:ext cx="3879418" cy="488008"/>
+            <a:off x="4664000" y="3132567"/>
+            <a:ext cx="3879418" cy="516312"/>
           </a:xfrm>
           <a:prstGeom prst="bentConnector2">
             <a:avLst/>
@@ -4692,7 +4692,7 @@
         </p:nvSpPr>
         <p:spPr>
           <a:xfrm>
-            <a:off x="7516470" y="2791539"/>
+            <a:off x="7516470" y="2763235"/>
             <a:ext cx="2053896" cy="369332"/>
           </a:xfrm>
           <a:prstGeom prst="rect">
@@ -4786,7 +4786,7 @@
         </p:blipFill>
         <p:spPr>
           <a:xfrm>
-            <a:off x="10257766" y="1929977"/>
+            <a:off x="10448069" y="643819"/>
             <a:ext cx="759321" cy="759321"/>
           </a:xfrm>
           <a:prstGeom prst="rect">
@@ -4808,7 +4808,7 @@
         </p:nvSpPr>
         <p:spPr>
           <a:xfrm>
-            <a:off x="9793596" y="2791539"/>
+            <a:off x="9888720" y="1463365"/>
             <a:ext cx="1901931" cy="369332"/>
           </a:xfrm>
           <a:prstGeom prst="rect">
@@ -4846,9 +4846,256 @@
           <p:nvPr/>
         </p:nvCxnSpPr>
         <p:spPr>
-          <a:xfrm>
-            <a:off x="8939712" y="2307201"/>
-            <a:ext cx="1318054" cy="2437"/>
+          <a:xfrm flipV="1">
+            <a:off x="8939712" y="1023480"/>
+            <a:ext cx="1508357" cy="1283721"/>
+          </a:xfrm>
+          <a:prstGeom prst="bentConnector3">
+            <a:avLst>
+              <a:gd name="adj1" fmla="val 50000"/>
+            </a:avLst>
+          </a:prstGeom>
+          <a:ln w="22225">
+            <a:tailEnd type="triangle"/>
+          </a:ln>
+        </p:spPr>
+        <p:style>
+          <a:lnRef idx="3">
+            <a:schemeClr val="accent3"/>
+          </a:lnRef>
+          <a:fillRef idx="0">
+            <a:schemeClr val="accent3"/>
+          </a:fillRef>
+          <a:effectRef idx="2">
+            <a:schemeClr val="accent3"/>
+          </a:effectRef>
+          <a:fontRef idx="minor">
+            <a:schemeClr val="tx1"/>
+          </a:fontRef>
+        </p:style>
+      </p:cxnSp>
+      <p:pic>
+        <p:nvPicPr>
+          <p:cNvPr id="4" name="Picture 3">
+            <a:extLst>
+              <a:ext uri="{FF2B5EF4-FFF2-40B4-BE49-F238E27FC236}">
+                <a16:creationId xmlns:a16="http://schemas.microsoft.com/office/drawing/2014/main" id="{FB244C4D-95CB-4A4D-9EF5-8939A49112CA}"/>
+              </a:ext>
+            </a:extLst>
+          </p:cNvPr>
+          <p:cNvPicPr>
+            <a:picLocks noChangeAspect="1"/>
+          </p:cNvPicPr>
+          <p:nvPr/>
+        </p:nvPicPr>
+        <p:blipFill>
+          <a:blip r:embed="rId7">
+            <a:extLst>
+              <a:ext uri="{28A0092B-C50C-407E-A947-70E740481C1C}">
+                <a14:useLocalDpi xmlns:a14="http://schemas.microsoft.com/office/drawing/2010/main" val="0"/>
+              </a:ext>
+            </a:extLst>
+          </a:blip>
+          <a:stretch>
+            <a:fillRect/>
+          </a:stretch>
+        </p:blipFill>
+        <p:spPr>
+          <a:xfrm>
+            <a:off x="10513301" y="4205125"/>
+            <a:ext cx="674105" cy="674105"/>
+          </a:xfrm>
+          <a:prstGeom prst="rect">
+            <a:avLst/>
+          </a:prstGeom>
+        </p:spPr>
+      </p:pic>
+      <p:sp>
+        <p:nvSpPr>
+          <p:cNvPr id="27" name="TextBox 26">
+            <a:extLst>
+              <a:ext uri="{FF2B5EF4-FFF2-40B4-BE49-F238E27FC236}">
+                <a16:creationId xmlns:a16="http://schemas.microsoft.com/office/drawing/2014/main" id="{3EB6127E-B5F7-44E2-A17F-381DBABAD9C2}"/>
+              </a:ext>
+            </a:extLst>
+          </p:cNvPr>
+          <p:cNvSpPr txBox="1"/>
+          <p:nvPr/>
+        </p:nvSpPr>
+        <p:spPr>
+          <a:xfrm>
+            <a:off x="9898682" y="5006918"/>
+            <a:ext cx="1903342" cy="369332"/>
+          </a:xfrm>
+          <a:prstGeom prst="rect">
+            <a:avLst/>
+          </a:prstGeom>
+          <a:noFill/>
+        </p:spPr>
+        <p:txBody>
+          <a:bodyPr wrap="none" rtlCol="0">
+            <a:spAutoFit/>
+          </a:bodyPr>
+          <a:lstStyle/>
+          <a:p>
+            <a:r>
+              <a:rPr lang="en-US" dirty="0"/>
+              <a:t>Analysis of Results</a:t>
+            </a:r>
+          </a:p>
+        </p:txBody>
+      </p:sp>
+      <p:sp>
+        <p:nvSpPr>
+          <p:cNvPr id="34" name="TextBox 33">
+            <a:extLst>
+              <a:ext uri="{FF2B5EF4-FFF2-40B4-BE49-F238E27FC236}">
+                <a16:creationId xmlns:a16="http://schemas.microsoft.com/office/drawing/2014/main" id="{62B8C5C2-8CB7-4CF1-BA17-959E9BBC771B}"/>
+              </a:ext>
+            </a:extLst>
+          </p:cNvPr>
+          <p:cNvSpPr txBox="1"/>
+          <p:nvPr/>
+        </p:nvSpPr>
+        <p:spPr>
+          <a:xfrm>
+            <a:off x="10268760" y="3163378"/>
+            <a:ext cx="1141851" cy="369332"/>
+          </a:xfrm>
+          <a:prstGeom prst="rect">
+            <a:avLst/>
+          </a:prstGeom>
+          <a:noFill/>
+        </p:spPr>
+        <p:txBody>
+          <a:bodyPr wrap="none" rtlCol="0">
+            <a:spAutoFit/>
+          </a:bodyPr>
+          <a:lstStyle/>
+          <a:p>
+            <a:r>
+              <a:rPr lang="en-US" dirty="0"/>
+              <a:t>Prediction</a:t>
+            </a:r>
+          </a:p>
+        </p:txBody>
+      </p:sp>
+      <p:pic>
+        <p:nvPicPr>
+          <p:cNvPr id="36" name="Picture 35">
+            <a:extLst>
+              <a:ext uri="{FF2B5EF4-FFF2-40B4-BE49-F238E27FC236}">
+                <a16:creationId xmlns:a16="http://schemas.microsoft.com/office/drawing/2014/main" id="{D2EF94D4-7187-4025-B0E3-A1B87294A783}"/>
+              </a:ext>
+            </a:extLst>
+          </p:cNvPr>
+          <p:cNvPicPr>
+            <a:picLocks noChangeAspect="1"/>
+          </p:cNvPicPr>
+          <p:nvPr/>
+        </p:nvPicPr>
+        <p:blipFill>
+          <a:blip r:embed="rId8">
+            <a:duotone>
+              <a:prstClr val="black"/>
+              <a:schemeClr val="tx2">
+                <a:tint val="45000"/>
+                <a:satMod val="400000"/>
+              </a:schemeClr>
+            </a:duotone>
+            <a:extLst>
+              <a:ext uri="{BEBA8EAE-BF5A-486C-A8C5-ECC9F3942E4B}">
+                <a14:imgProps xmlns:a14="http://schemas.microsoft.com/office/drawing/2010/main">
+                  <a14:imgLayer r:embed="rId9">
+                    <a14:imgEffect>
+                      <a14:colorTemperature colorTemp="4700"/>
+                    </a14:imgEffect>
+                  </a14:imgLayer>
+                </a14:imgProps>
+              </a:ext>
+              <a:ext uri="{28A0092B-C50C-407E-A947-70E740481C1C}">
+                <a14:useLocalDpi xmlns:a14="http://schemas.microsoft.com/office/drawing/2010/main" val="0"/>
+              </a:ext>
+            </a:extLst>
+          </a:blip>
+          <a:stretch>
+            <a:fillRect/>
+          </a:stretch>
+        </p:blipFill>
+        <p:spPr>
+          <a:xfrm>
+            <a:off x="10495391" y="2373427"/>
+            <a:ext cx="688587" cy="688587"/>
+          </a:xfrm>
+          <a:prstGeom prst="rect">
+            <a:avLst/>
+          </a:prstGeom>
+        </p:spPr>
+      </p:pic>
+      <p:cxnSp>
+        <p:nvCxnSpPr>
+          <p:cNvPr id="37" name="Straight Arrow Connector 17">
+            <a:extLst>
+              <a:ext uri="{FF2B5EF4-FFF2-40B4-BE49-F238E27FC236}">
+                <a16:creationId xmlns:a16="http://schemas.microsoft.com/office/drawing/2014/main" id="{A12F45F4-817D-44E0-8AA3-8B874E312054}"/>
+              </a:ext>
+            </a:extLst>
+          </p:cNvPr>
+          <p:cNvCxnSpPr>
+            <a:cxnSpLocks/>
+            <a:stCxn id="59" idx="2"/>
+            <a:endCxn id="36" idx="0"/>
+          </p:cNvCxnSpPr>
+          <p:nvPr/>
+        </p:nvCxnSpPr>
+        <p:spPr>
+          <a:xfrm rot="5400000">
+            <a:off x="10569321" y="2103062"/>
+            <a:ext cx="540730" cy="1"/>
+          </a:xfrm>
+          <a:prstGeom prst="bentConnector3">
+            <a:avLst>
+              <a:gd name="adj1" fmla="val 50000"/>
+            </a:avLst>
+          </a:prstGeom>
+          <a:ln w="22225">
+            <a:tailEnd type="triangle"/>
+          </a:ln>
+        </p:spPr>
+        <p:style>
+          <a:lnRef idx="3">
+            <a:schemeClr val="accent3"/>
+          </a:lnRef>
+          <a:fillRef idx="0">
+            <a:schemeClr val="accent3"/>
+          </a:fillRef>
+          <a:effectRef idx="2">
+            <a:schemeClr val="accent3"/>
+          </a:effectRef>
+          <a:fontRef idx="minor">
+            <a:schemeClr val="tx1"/>
+          </a:fontRef>
+        </p:style>
+      </p:cxnSp>
+      <p:cxnSp>
+        <p:nvCxnSpPr>
+          <p:cNvPr id="40" name="Straight Arrow Connector 17">
+            <a:extLst>
+              <a:ext uri="{FF2B5EF4-FFF2-40B4-BE49-F238E27FC236}">
+                <a16:creationId xmlns:a16="http://schemas.microsoft.com/office/drawing/2014/main" id="{DC112FCB-BDD9-4984-8150-506D2F1F7420}"/>
+              </a:ext>
+            </a:extLst>
+          </p:cNvPr>
+          <p:cNvCxnSpPr>
+            <a:cxnSpLocks/>
+            <a:stCxn id="34" idx="2"/>
+          </p:cNvCxnSpPr>
+          <p:nvPr/>
+        </p:nvCxnSpPr>
+        <p:spPr>
+          <a:xfrm rot="16200000" flipH="1">
+            <a:off x="10531763" y="3840632"/>
+            <a:ext cx="615846" cy="1"/>
           </a:xfrm>
           <a:prstGeom prst="bentConnector3">
             <a:avLst>
